--- a/lecture_slides/5_Python Lesson - Operators and Branching.pptx
+++ b/lecture_slides/5_Python Lesson - Operators and Branching.pptx
@@ -5,7 +5,7 @@
     <p:sldMasterId id="2147483657" r:id="rId1"/>
   </p:sldMasterIdLst>
   <p:notesMasterIdLst>
-    <p:notesMasterId r:id="rId15"/>
+    <p:notesMasterId r:id="rId17"/>
   </p:notesMasterIdLst>
   <p:sldIdLst>
     <p:sldId id="256" r:id="rId2"/>
@@ -20,28 +20,30 @@
     <p:sldId id="330" r:id="rId11"/>
     <p:sldId id="332" r:id="rId12"/>
     <p:sldId id="333" r:id="rId13"/>
-    <p:sldId id="280" r:id="rId14"/>
+    <p:sldId id="334" r:id="rId14"/>
+    <p:sldId id="335" r:id="rId15"/>
+    <p:sldId id="280" r:id="rId16"/>
   </p:sldIdLst>
   <p:sldSz cx="9144000" cy="5143500" type="screen16x9"/>
   <p:notesSz cx="6858000" cy="9144000"/>
   <p:embeddedFontLst>
     <p:embeddedFont>
       <p:font typeface="Helvetica Neue" panose="020B0604020202020204" charset="0"/>
-      <p:regular r:id="rId16"/>
-      <p:bold r:id="rId17"/>
-      <p:italic r:id="rId18"/>
-      <p:boldItalic r:id="rId19"/>
+      <p:regular r:id="rId18"/>
+      <p:bold r:id="rId19"/>
+      <p:italic r:id="rId20"/>
+      <p:boldItalic r:id="rId21"/>
     </p:embeddedFont>
     <p:embeddedFont>
       <p:font typeface="Muli" panose="020B0604020202020204" charset="0"/>
-      <p:regular r:id="rId20"/>
-      <p:bold r:id="rId21"/>
-      <p:italic r:id="rId22"/>
-      <p:boldItalic r:id="rId23"/>
+      <p:regular r:id="rId22"/>
+      <p:bold r:id="rId23"/>
+      <p:italic r:id="rId24"/>
+      <p:boldItalic r:id="rId25"/>
     </p:embeddedFont>
     <p:embeddedFont>
       <p:font typeface="Nixie One" panose="020B0604020202020204" charset="0"/>
-      <p:regular r:id="rId24"/>
+      <p:regular r:id="rId26"/>
     </p:embeddedFont>
   </p:embeddedFontLst>
   <p:defaultTextStyle>
@@ -295,7 +297,7 @@
 <file path=ppt/revisionInfo.xml><?xml version="1.0" encoding="utf-8"?>
 <p1510:revInfo xmlns:a="http://schemas.openxmlformats.org/drawingml/2006/main" xmlns:r="http://schemas.openxmlformats.org/officeDocument/2006/relationships" xmlns:p1510="http://schemas.microsoft.com/office/powerpoint/2015/10/main">
   <p1510:revLst>
-    <p1510:client id="{8FEAAE3E-AED1-4B48-A1DD-E70612305A72}" v="48" dt="2020-10-23T05:35:05.074"/>
+    <p1510:client id="{8FEAAE3E-AED1-4B48-A1DD-E70612305A72}" v="50" dt="2020-10-23T13:33:20.354"/>
   </p1510:revLst>
 </p1510:revInfo>
 </file>
@@ -305,7 +307,7 @@
   <pc:docChgLst>
     <pc:chgData name="Brandon Hoffman" userId="b3ee02141e2b4ef5" providerId="LiveId" clId="{8FEAAE3E-AED1-4B48-A1DD-E70612305A72}"/>
     <pc:docChg chg="undo custSel addSld delSld modSld">
-      <pc:chgData name="Brandon Hoffman" userId="b3ee02141e2b4ef5" providerId="LiveId" clId="{8FEAAE3E-AED1-4B48-A1DD-E70612305A72}" dt="2020-10-23T05:40:07.097" v="3882" actId="20577"/>
+      <pc:chgData name="Brandon Hoffman" userId="b3ee02141e2b4ef5" providerId="LiveId" clId="{8FEAAE3E-AED1-4B48-A1DD-E70612305A72}" dt="2020-10-23T13:39:31.232" v="4632" actId="20577"/>
       <pc:docMkLst>
         <pc:docMk/>
       </pc:docMkLst>
@@ -996,6 +998,52 @@
           </ac:spMkLst>
         </pc:spChg>
       </pc:sldChg>
+      <pc:sldChg chg="modSp add mod modNotesTx">
+        <pc:chgData name="Brandon Hoffman" userId="b3ee02141e2b4ef5" providerId="LiveId" clId="{8FEAAE3E-AED1-4B48-A1DD-E70612305A72}" dt="2020-10-23T13:33:02.453" v="4300" actId="20577"/>
+        <pc:sldMkLst>
+          <pc:docMk/>
+          <pc:sldMk cId="709015705" sldId="334"/>
+        </pc:sldMkLst>
+        <pc:spChg chg="mod">
+          <ac:chgData name="Brandon Hoffman" userId="b3ee02141e2b4ef5" providerId="LiveId" clId="{8FEAAE3E-AED1-4B48-A1DD-E70612305A72}" dt="2020-10-23T13:29:01.712" v="4264" actId="1035"/>
+          <ac:spMkLst>
+            <pc:docMk/>
+            <pc:sldMk cId="709015705" sldId="334"/>
+            <ac:spMk id="4" creationId="{F2D98915-2730-44C5-A61F-55A36F7CB933}"/>
+          </ac:spMkLst>
+        </pc:spChg>
+        <pc:spChg chg="mod">
+          <ac:chgData name="Brandon Hoffman" userId="b3ee02141e2b4ef5" providerId="LiveId" clId="{8FEAAE3E-AED1-4B48-A1DD-E70612305A72}" dt="2020-10-23T13:23:40.641" v="3894" actId="20577"/>
+          <ac:spMkLst>
+            <pc:docMk/>
+            <pc:sldMk cId="709015705" sldId="334"/>
+            <ac:spMk id="7" creationId="{3B9CCF0A-B6AC-4E3E-9AE0-0E6C02D98C1E}"/>
+          </ac:spMkLst>
+        </pc:spChg>
+      </pc:sldChg>
+      <pc:sldChg chg="modSp add mod modNotesTx">
+        <pc:chgData name="Brandon Hoffman" userId="b3ee02141e2b4ef5" providerId="LiveId" clId="{8FEAAE3E-AED1-4B48-A1DD-E70612305A72}" dt="2020-10-23T13:39:31.232" v="4632" actId="20577"/>
+        <pc:sldMkLst>
+          <pc:docMk/>
+          <pc:sldMk cId="1477841008" sldId="335"/>
+        </pc:sldMkLst>
+        <pc:spChg chg="mod">
+          <ac:chgData name="Brandon Hoffman" userId="b3ee02141e2b4ef5" providerId="LiveId" clId="{8FEAAE3E-AED1-4B48-A1DD-E70612305A72}" dt="2020-10-23T13:38:20.665" v="4580" actId="207"/>
+          <ac:spMkLst>
+            <pc:docMk/>
+            <pc:sldMk cId="1477841008" sldId="335"/>
+            <ac:spMk id="4" creationId="{F2D98915-2730-44C5-A61F-55A36F7CB933}"/>
+          </ac:spMkLst>
+        </pc:spChg>
+        <pc:spChg chg="mod">
+          <ac:chgData name="Brandon Hoffman" userId="b3ee02141e2b4ef5" providerId="LiveId" clId="{8FEAAE3E-AED1-4B48-A1DD-E70612305A72}" dt="2020-10-23T13:33:30.249" v="4320" actId="20577"/>
+          <ac:spMkLst>
+            <pc:docMk/>
+            <pc:sldMk cId="1477841008" sldId="335"/>
+            <ac:spMk id="7" creationId="{3B9CCF0A-B6AC-4E3E-9AE0-0E6C02D98C1E}"/>
+          </ac:spMkLst>
+        </pc:spChg>
+      </pc:sldChg>
     </pc:docChg>
   </pc:docChgLst>
 </pc:chgInfo>
@@ -1539,7 +1587,7 @@
               </a:spcAft>
               <a:buNone/>
             </a:pPr>
-            <a:endParaRPr/>
+            <a:endParaRPr dirty="0"/>
           </a:p>
         </p:txBody>
       </p:sp>
@@ -2507,6 +2555,1031 @@
 </file>
 
 <file path=ppt/notesSlides/notesSlide13.xml><?xml version="1.0" encoding="utf-8"?>
+<p:notes xmlns:a="http://schemas.openxmlformats.org/drawingml/2006/main" xmlns:r="http://schemas.openxmlformats.org/officeDocument/2006/relationships" xmlns:p="http://schemas.openxmlformats.org/presentationml/2006/main" showMasterSp="0" showMasterPhAnim="0">
+  <p:cSld>
+    <p:spTree>
+      <p:nvGrpSpPr>
+        <p:cNvPr id="1" name="Shape 425"/>
+        <p:cNvGrpSpPr/>
+        <p:nvPr/>
+      </p:nvGrpSpPr>
+      <p:grpSpPr>
+        <a:xfrm>
+          <a:off x="0" y="0"/>
+          <a:ext cx="0" cy="0"/>
+          <a:chOff x="0" y="0"/>
+          <a:chExt cx="0" cy="0"/>
+        </a:xfrm>
+      </p:grpSpPr>
+      <p:sp>
+        <p:nvSpPr>
+          <p:cNvPr id="426" name="Google Shape;426;g35f391192_073:notes"/>
+          <p:cNvSpPr>
+            <a:spLocks noGrp="1" noRot="1" noChangeAspect="1"/>
+          </p:cNvSpPr>
+          <p:nvPr>
+            <p:ph type="sldImg" idx="2"/>
+          </p:nvPr>
+        </p:nvSpPr>
+        <p:spPr>
+          <a:xfrm>
+            <a:off x="381000" y="685800"/>
+            <a:ext cx="6096000" cy="3429000"/>
+          </a:xfrm>
+          <a:custGeom>
+            <a:avLst/>
+            <a:gdLst/>
+            <a:ahLst/>
+            <a:cxnLst/>
+            <a:rect l="l" t="t" r="r" b="b"/>
+            <a:pathLst>
+              <a:path w="120000" h="120000" extrusionOk="0">
+                <a:moveTo>
+                  <a:pt x="0" y="0"/>
+                </a:moveTo>
+                <a:lnTo>
+                  <a:pt x="120000" y="0"/>
+                </a:lnTo>
+                <a:lnTo>
+                  <a:pt x="120000" y="120000"/>
+                </a:lnTo>
+                <a:lnTo>
+                  <a:pt x="0" y="120000"/>
+                </a:lnTo>
+                <a:close/>
+              </a:path>
+            </a:pathLst>
+          </a:custGeom>
+        </p:spPr>
+      </p:sp>
+      <p:sp>
+        <p:nvSpPr>
+          <p:cNvPr id="427" name="Google Shape;427;g35f391192_073:notes"/>
+          <p:cNvSpPr txBox="1">
+            <a:spLocks noGrp="1"/>
+          </p:cNvSpPr>
+          <p:nvPr>
+            <p:ph type="body" idx="1"/>
+          </p:nvPr>
+        </p:nvSpPr>
+        <p:spPr>
+          <a:xfrm>
+            <a:off x="685800" y="4343400"/>
+            <a:ext cx="5486400" cy="4114800"/>
+          </a:xfrm>
+          <a:prstGeom prst="rect">
+            <a:avLst/>
+          </a:prstGeom>
+        </p:spPr>
+        <p:txBody>
+          <a:bodyPr spcFirstLastPara="1" wrap="square" lIns="91425" tIns="91425" rIns="91425" bIns="91425" anchor="t" anchorCtr="0">
+            <a:noAutofit/>
+          </a:bodyPr>
+          <a:lstStyle/>
+          <a:p>
+            <a:pPr marL="0" lvl="0" indent="0" algn="l" rtl="0">
+              <a:spcBef>
+                <a:spcPts val="0"/>
+              </a:spcBef>
+              <a:spcAft>
+                <a:spcPts val="0"/>
+              </a:spcAft>
+              <a:buNone/>
+            </a:pPr>
+            <a:r>
+              <a:rPr lang="en-US" dirty="0"/>
+              <a:t>That indentation is how we are going to capture</a:t>
+            </a:r>
+          </a:p>
+          <a:p>
+            <a:pPr marL="0" lvl="0" indent="0" algn="l" rtl="0">
+              <a:spcBef>
+                <a:spcPts val="0"/>
+              </a:spcBef>
+              <a:spcAft>
+                <a:spcPts val="0"/>
+              </a:spcAft>
+              <a:buNone/>
+            </a:pPr>
+            <a:r>
+              <a:rPr lang="en-US" dirty="0"/>
+              <a:t>other pieces as well.</a:t>
+            </a:r>
+          </a:p>
+          <a:p>
+            <a:pPr marL="0" lvl="0" indent="0" algn="l" rtl="0">
+              <a:spcBef>
+                <a:spcPts val="0"/>
+              </a:spcBef>
+              <a:spcAft>
+                <a:spcPts val="0"/>
+              </a:spcAft>
+              <a:buNone/>
+            </a:pPr>
+            <a:r>
+              <a:rPr lang="en-US" dirty="0"/>
+              <a:t>And it doesn't have to just be conditionals.</a:t>
+            </a:r>
+          </a:p>
+          <a:p>
+            <a:pPr marL="0" lvl="0" indent="0" algn="l" rtl="0">
+              <a:spcBef>
+                <a:spcPts val="0"/>
+              </a:spcBef>
+              <a:spcAft>
+                <a:spcPts val="0"/>
+              </a:spcAft>
+              <a:buNone/>
+            </a:pPr>
+            <a:r>
+              <a:rPr lang="en-US" dirty="0"/>
+              <a:t>I could have something that has other statements inside</a:t>
+            </a:r>
+          </a:p>
+          <a:p>
+            <a:pPr marL="0" lvl="0" indent="0" algn="l" rtl="0">
+              <a:spcBef>
+                <a:spcPts val="0"/>
+              </a:spcBef>
+              <a:spcAft>
+                <a:spcPts val="0"/>
+              </a:spcAft>
+              <a:buNone/>
+            </a:pPr>
+            <a:r>
+              <a:rPr lang="en-US" dirty="0"/>
+              <a:t>of it, such as the print statement here.</a:t>
+            </a:r>
+          </a:p>
+          <a:p>
+            <a:pPr marL="0" lvl="0" indent="0" algn="l" rtl="0">
+              <a:spcBef>
+                <a:spcPts val="0"/>
+              </a:spcBef>
+              <a:spcAft>
+                <a:spcPts val="0"/>
+              </a:spcAft>
+              <a:buNone/>
+            </a:pPr>
+            <a:r>
+              <a:rPr lang="en-US" dirty="0"/>
+              <a:t>Again, don't worry what this code does,</a:t>
+            </a:r>
+          </a:p>
+          <a:p>
+            <a:pPr marL="0" lvl="0" indent="0" algn="l" rtl="0">
+              <a:spcBef>
+                <a:spcPts val="0"/>
+              </a:spcBef>
+              <a:spcAft>
+                <a:spcPts val="0"/>
+              </a:spcAft>
+              <a:buNone/>
+            </a:pPr>
+            <a:r>
+              <a:rPr lang="en-US" dirty="0"/>
+              <a:t>it's a simple piece of code to execute some simple comparisons</a:t>
+            </a:r>
+          </a:p>
+          <a:p>
+            <a:pPr marL="0" lvl="0" indent="0" algn="l" rtl="0">
+              <a:spcBef>
+                <a:spcPts val="0"/>
+              </a:spcBef>
+              <a:spcAft>
+                <a:spcPts val="0"/>
+              </a:spcAft>
+              <a:buNone/>
+            </a:pPr>
+            <a:r>
+              <a:rPr lang="en-US" dirty="0"/>
+              <a:t>on numbers.</a:t>
+            </a:r>
+          </a:p>
+          <a:p>
+            <a:pPr marL="0" lvl="0" indent="0" algn="l" rtl="0">
+              <a:spcBef>
+                <a:spcPts val="0"/>
+              </a:spcBef>
+              <a:spcAft>
+                <a:spcPts val="0"/>
+              </a:spcAft>
+              <a:buNone/>
+            </a:pPr>
+            <a:r>
+              <a:rPr lang="en-US" dirty="0"/>
+              <a:t>What I want you to see is how we walk through the branches.</a:t>
+            </a:r>
+          </a:p>
+          <a:p>
+            <a:pPr marL="0" lvl="0" indent="0" algn="l" rtl="0">
+              <a:spcBef>
+                <a:spcPts val="0"/>
+              </a:spcBef>
+              <a:spcAft>
+                <a:spcPts val="0"/>
+              </a:spcAft>
+              <a:buNone/>
+            </a:pPr>
+            <a:r>
+              <a:rPr lang="en-US" dirty="0"/>
+              <a:t>And with that, we now have the first kind of code.</a:t>
+            </a:r>
+          </a:p>
+          <a:p>
+            <a:pPr marL="0" lvl="0" indent="0" algn="l" rtl="0">
+              <a:spcBef>
+                <a:spcPts val="0"/>
+              </a:spcBef>
+              <a:spcAft>
+                <a:spcPts val="0"/>
+              </a:spcAft>
+              <a:buNone/>
+            </a:pPr>
+            <a:r>
+              <a:rPr lang="en-US" dirty="0"/>
+              <a:t>There is one set of blocks inside of which,</a:t>
+            </a:r>
+          </a:p>
+          <a:p>
+            <a:pPr marL="0" lvl="0" indent="0" algn="l" rtl="0">
+              <a:spcBef>
+                <a:spcPts val="0"/>
+              </a:spcBef>
+              <a:spcAft>
+                <a:spcPts val="0"/>
+              </a:spcAft>
+              <a:buNone/>
+            </a:pPr>
+            <a:r>
+              <a:rPr lang="en-US" dirty="0"/>
+              <a:t>I've got another set of blocks.</a:t>
+            </a:r>
+          </a:p>
+          <a:p>
+            <a:pPr marL="0" lvl="0" indent="0" algn="l" rtl="0">
+              <a:spcBef>
+                <a:spcPts val="0"/>
+              </a:spcBef>
+              <a:spcAft>
+                <a:spcPts val="0"/>
+              </a:spcAft>
+              <a:buNone/>
+            </a:pPr>
+            <a:r>
+              <a:rPr lang="en-US" dirty="0"/>
+              <a:t>And again, if this is true and that's true,</a:t>
+            </a:r>
+          </a:p>
+          <a:p>
+            <a:pPr marL="0" lvl="0" indent="0" algn="l" rtl="0">
+              <a:spcBef>
+                <a:spcPts val="0"/>
+              </a:spcBef>
+              <a:spcAft>
+                <a:spcPts val="0"/>
+              </a:spcAft>
+              <a:buNone/>
+            </a:pPr>
+            <a:r>
+              <a:rPr lang="en-US" dirty="0"/>
+              <a:t>I'll get to that point.</a:t>
+            </a:r>
+          </a:p>
+          <a:p>
+            <a:pPr marL="0" lvl="0" indent="0" algn="l" rtl="0">
+              <a:spcBef>
+                <a:spcPts val="0"/>
+              </a:spcBef>
+              <a:spcAft>
+                <a:spcPts val="0"/>
+              </a:spcAft>
+              <a:buNone/>
+            </a:pPr>
+            <a:r>
+              <a:rPr lang="en-US" dirty="0"/>
+              <a:t>But if this is true and this is false-- so true</a:t>
+            </a:r>
+          </a:p>
+          <a:p>
+            <a:pPr marL="0" lvl="0" indent="0" algn="l" rtl="0">
+              <a:spcBef>
+                <a:spcPts val="0"/>
+              </a:spcBef>
+              <a:spcAft>
+                <a:spcPts val="0"/>
+              </a:spcAft>
+              <a:buNone/>
+            </a:pPr>
+            <a:r>
+              <a:rPr lang="en-US" dirty="0"/>
+              <a:t>here, but false here what happens?</a:t>
+            </a:r>
+          </a:p>
+          <a:p>
+            <a:pPr marL="0" lvl="0" indent="0" algn="l" rtl="0">
+              <a:spcBef>
+                <a:spcPts val="0"/>
+              </a:spcBef>
+              <a:spcAft>
+                <a:spcPts val="0"/>
+              </a:spcAft>
+              <a:buNone/>
+            </a:pPr>
+            <a:r>
+              <a:rPr lang="en-US" dirty="0"/>
+              <a:t>Oh, there is no code here, so nothing happens.</a:t>
+            </a:r>
+          </a:p>
+          <a:p>
+            <a:pPr marL="0" lvl="0" indent="0" algn="l" rtl="0">
+              <a:spcBef>
+                <a:spcPts val="0"/>
+              </a:spcBef>
+              <a:spcAft>
+                <a:spcPts val="0"/>
+              </a:spcAft>
+              <a:buNone/>
+            </a:pPr>
+            <a:r>
+              <a:rPr lang="en-US" dirty="0"/>
+              <a:t>It simply skips out to the end and jumps past it.</a:t>
+            </a:r>
+          </a:p>
+          <a:p>
+            <a:pPr marL="0" lvl="0" indent="0" algn="l" rtl="0">
+              <a:spcBef>
+                <a:spcPts val="0"/>
+              </a:spcBef>
+              <a:spcAft>
+                <a:spcPts val="0"/>
+              </a:spcAft>
+              <a:buNone/>
+            </a:pPr>
+            <a:r>
+              <a:rPr lang="en-US" dirty="0"/>
+              <a:t>Again, I invite you to try this to see if it works</a:t>
+            </a:r>
+          </a:p>
+          <a:p>
+            <a:pPr marL="0" lvl="0" indent="0" algn="l" rtl="0">
+              <a:spcBef>
+                <a:spcPts val="0"/>
+              </a:spcBef>
+              <a:spcAft>
+                <a:spcPts val="0"/>
+              </a:spcAft>
+              <a:buNone/>
+            </a:pPr>
+            <a:r>
+              <a:rPr lang="en-US" dirty="0"/>
+              <a:t>the way I've described it.</a:t>
+            </a:r>
+          </a:p>
+          <a:p>
+            <a:pPr marL="0" lvl="0" indent="0" algn="l" rtl="0">
+              <a:spcBef>
+                <a:spcPts val="0"/>
+              </a:spcBef>
+              <a:spcAft>
+                <a:spcPts val="0"/>
+              </a:spcAft>
+              <a:buNone/>
+            </a:pPr>
+            <a:r>
+              <a:rPr lang="en-US" dirty="0"/>
+              <a:t>What I want you to see is the form of it.</a:t>
+            </a:r>
+          </a:p>
+          <a:p>
+            <a:pPr marL="0" lvl="0" indent="0" algn="l" rtl="0">
+              <a:spcBef>
+                <a:spcPts val="0"/>
+              </a:spcBef>
+              <a:spcAft>
+                <a:spcPts val="0"/>
+              </a:spcAft>
+              <a:buNone/>
+            </a:pPr>
+            <a:r>
+              <a:rPr lang="en-US" dirty="0"/>
+              <a:t>One other piece I want to remind you of</a:t>
+            </a:r>
+          </a:p>
+          <a:p>
+            <a:pPr marL="0" lvl="0" indent="0" algn="l" rtl="0">
+              <a:spcBef>
+                <a:spcPts val="0"/>
+              </a:spcBef>
+              <a:spcAft>
+                <a:spcPts val="0"/>
+              </a:spcAft>
+              <a:buNone/>
+            </a:pPr>
+            <a:r>
+              <a:rPr lang="en-US" dirty="0"/>
+              <a:t>is the fact that when we do comparisons</a:t>
+            </a:r>
+          </a:p>
+          <a:p>
+            <a:pPr marL="0" lvl="0" indent="0" algn="l" rtl="0">
+              <a:spcBef>
+                <a:spcPts val="0"/>
+              </a:spcBef>
+              <a:spcAft>
+                <a:spcPts val="0"/>
+              </a:spcAft>
+              <a:buNone/>
+            </a:pPr>
+            <a:r>
+              <a:rPr lang="en-US" dirty="0"/>
+              <a:t>we need to use the double equal.</a:t>
+            </a:r>
+          </a:p>
+          <a:p>
+            <a:pPr marL="0" lvl="0" indent="0" algn="l" rtl="0">
+              <a:spcBef>
+                <a:spcPts val="0"/>
+              </a:spcBef>
+              <a:spcAft>
+                <a:spcPts val="0"/>
+              </a:spcAft>
+              <a:buNone/>
+            </a:pPr>
+            <a:r>
+              <a:rPr lang="en-US" dirty="0"/>
+              <a:t>Equal sign binds a value to a variable.</a:t>
+            </a:r>
+          </a:p>
+          <a:p>
+            <a:pPr marL="0" lvl="0" indent="0" algn="l" rtl="0">
+              <a:spcBef>
+                <a:spcPts val="0"/>
+              </a:spcBef>
+              <a:spcAft>
+                <a:spcPts val="0"/>
+              </a:spcAft>
+              <a:buNone/>
+            </a:pPr>
+            <a:r>
+              <a:rPr lang="en-US" dirty="0"/>
+              <a:t>Here I, want to compare two things.</a:t>
+            </a:r>
+          </a:p>
+          <a:p>
+            <a:pPr marL="0" lvl="0" indent="0" algn="l" rtl="0">
+              <a:spcBef>
+                <a:spcPts val="0"/>
+              </a:spcBef>
+              <a:spcAft>
+                <a:spcPts val="0"/>
+              </a:spcAft>
+              <a:buNone/>
+            </a:pPr>
+            <a:r>
+              <a:rPr lang="en-US" dirty="0"/>
+              <a:t>And this is a standard place I make it all the time</a:t>
+            </a:r>
+          </a:p>
+          <a:p>
+            <a:pPr marL="0" lvl="0" indent="0" algn="l" rtl="0">
+              <a:spcBef>
+                <a:spcPts val="0"/>
+              </a:spcBef>
+              <a:spcAft>
+                <a:spcPts val="0"/>
+              </a:spcAft>
+              <a:buNone/>
+            </a:pPr>
+            <a:r>
+              <a:rPr lang="en-US" dirty="0"/>
+              <a:t>where you'll get a bug.</a:t>
+            </a:r>
+          </a:p>
+          <a:p>
+            <a:pPr marL="0" lvl="0" indent="0" algn="l" rtl="0">
+              <a:spcBef>
+                <a:spcPts val="0"/>
+              </a:spcBef>
+              <a:spcAft>
+                <a:spcPts val="0"/>
+              </a:spcAft>
+              <a:buNone/>
+            </a:pPr>
+            <a:r>
+              <a:rPr lang="en-US" dirty="0"/>
+              <a:t>Don't worry when you do it, Python is going to complain</a:t>
+            </a:r>
+          </a:p>
+          <a:p>
+            <a:pPr marL="0" lvl="0" indent="0" algn="l" rtl="0">
+              <a:spcBef>
+                <a:spcPts val="0"/>
+              </a:spcBef>
+              <a:spcAft>
+                <a:spcPts val="0"/>
+              </a:spcAft>
+              <a:buNone/>
+            </a:pPr>
+            <a:r>
+              <a:rPr lang="en-US" dirty="0"/>
+              <a:t>at you saying you're trying to do a binding in a place that</a:t>
+            </a:r>
+          </a:p>
+          <a:p>
+            <a:pPr marL="0" lvl="0" indent="0" algn="l" rtl="0">
+              <a:spcBef>
+                <a:spcPts val="0"/>
+              </a:spcBef>
+              <a:spcAft>
+                <a:spcPts val="0"/>
+              </a:spcAft>
+              <a:buNone/>
+            </a:pPr>
+            <a:r>
+              <a:rPr lang="en-US" dirty="0"/>
+              <a:t>you can’t.</a:t>
+            </a:r>
+          </a:p>
+          <a:p>
+            <a:pPr marL="0" lvl="0" indent="0" algn="l" rtl="0">
+              <a:spcBef>
+                <a:spcPts val="0"/>
+              </a:spcBef>
+              <a:spcAft>
+                <a:spcPts val="0"/>
+              </a:spcAft>
+              <a:buNone/>
+            </a:pPr>
+            <a:r>
+              <a:rPr lang="en-US" dirty="0"/>
+              <a:t>But remember, this is a place where</a:t>
+            </a:r>
+          </a:p>
+          <a:p>
+            <a:pPr marL="0" lvl="0" indent="0" algn="l" rtl="0">
+              <a:spcBef>
+                <a:spcPts val="0"/>
+              </a:spcBef>
+              <a:spcAft>
+                <a:spcPts val="0"/>
+              </a:spcAft>
+              <a:buNone/>
+            </a:pPr>
+            <a:r>
+              <a:rPr lang="en-US" dirty="0"/>
+              <a:t>when I'm doing a comparison I want</a:t>
+            </a:r>
+          </a:p>
+          <a:p>
+            <a:pPr marL="0" lvl="0" indent="0" algn="l" rtl="0">
+              <a:spcBef>
+                <a:spcPts val="0"/>
+              </a:spcBef>
+              <a:spcAft>
+                <a:spcPts val="0"/>
+              </a:spcAft>
+              <a:buNone/>
+            </a:pPr>
+            <a:r>
+              <a:rPr lang="en-US" dirty="0"/>
+              <a:t>to use the double equal sign in order</a:t>
+            </a:r>
+          </a:p>
+          <a:p>
+            <a:pPr marL="0" lvl="0" indent="0" algn="l" rtl="0">
+              <a:spcBef>
+                <a:spcPts val="0"/>
+              </a:spcBef>
+              <a:spcAft>
+                <a:spcPts val="0"/>
+              </a:spcAft>
+              <a:buNone/>
+            </a:pPr>
+            <a:r>
+              <a:rPr lang="en-US" dirty="0"/>
+              <a:t>to make the comparison of two values and return a Boolean.</a:t>
+            </a:r>
+            <a:endParaRPr dirty="0"/>
+          </a:p>
+        </p:txBody>
+      </p:sp>
+    </p:spTree>
+    <p:extLst>
+      <p:ext uri="{BB962C8B-B14F-4D97-AF65-F5344CB8AC3E}">
+        <p14:creationId xmlns:p14="http://schemas.microsoft.com/office/powerpoint/2010/main" val="785861553"/>
+      </p:ext>
+    </p:extLst>
+  </p:cSld>
+  <p:clrMapOvr>
+    <a:masterClrMapping/>
+  </p:clrMapOvr>
+</p:notes>
+</file>
+
+<file path=ppt/notesSlides/notesSlide14.xml><?xml version="1.0" encoding="utf-8"?>
+<p:notes xmlns:a="http://schemas.openxmlformats.org/drawingml/2006/main" xmlns:r="http://schemas.openxmlformats.org/officeDocument/2006/relationships" xmlns:p="http://schemas.openxmlformats.org/presentationml/2006/main" showMasterSp="0" showMasterPhAnim="0">
+  <p:cSld>
+    <p:spTree>
+      <p:nvGrpSpPr>
+        <p:cNvPr id="1" name="Shape 425"/>
+        <p:cNvGrpSpPr/>
+        <p:nvPr/>
+      </p:nvGrpSpPr>
+      <p:grpSpPr>
+        <a:xfrm>
+          <a:off x="0" y="0"/>
+          <a:ext cx="0" cy="0"/>
+          <a:chOff x="0" y="0"/>
+          <a:chExt cx="0" cy="0"/>
+        </a:xfrm>
+      </p:grpSpPr>
+      <p:sp>
+        <p:nvSpPr>
+          <p:cNvPr id="426" name="Google Shape;426;g35f391192_073:notes"/>
+          <p:cNvSpPr>
+            <a:spLocks noGrp="1" noRot="1" noChangeAspect="1"/>
+          </p:cNvSpPr>
+          <p:nvPr>
+            <p:ph type="sldImg" idx="2"/>
+          </p:nvPr>
+        </p:nvSpPr>
+        <p:spPr>
+          <a:xfrm>
+            <a:off x="381000" y="685800"/>
+            <a:ext cx="6096000" cy="3429000"/>
+          </a:xfrm>
+          <a:custGeom>
+            <a:avLst/>
+            <a:gdLst/>
+            <a:ahLst/>
+            <a:cxnLst/>
+            <a:rect l="l" t="t" r="r" b="b"/>
+            <a:pathLst>
+              <a:path w="120000" h="120000" extrusionOk="0">
+                <a:moveTo>
+                  <a:pt x="0" y="0"/>
+                </a:moveTo>
+                <a:lnTo>
+                  <a:pt x="120000" y="0"/>
+                </a:lnTo>
+                <a:lnTo>
+                  <a:pt x="120000" y="120000"/>
+                </a:lnTo>
+                <a:lnTo>
+                  <a:pt x="0" y="120000"/>
+                </a:lnTo>
+                <a:close/>
+              </a:path>
+            </a:pathLst>
+          </a:custGeom>
+        </p:spPr>
+      </p:sp>
+      <p:sp>
+        <p:nvSpPr>
+          <p:cNvPr id="427" name="Google Shape;427;g35f391192_073:notes"/>
+          <p:cNvSpPr txBox="1">
+            <a:spLocks noGrp="1"/>
+          </p:cNvSpPr>
+          <p:nvPr>
+            <p:ph type="body" idx="1"/>
+          </p:nvPr>
+        </p:nvSpPr>
+        <p:spPr>
+          <a:xfrm>
+            <a:off x="685800" y="4343400"/>
+            <a:ext cx="5486400" cy="4114800"/>
+          </a:xfrm>
+          <a:prstGeom prst="rect">
+            <a:avLst/>
+          </a:prstGeom>
+        </p:spPr>
+        <p:txBody>
+          <a:bodyPr spcFirstLastPara="1" wrap="square" lIns="91425" tIns="91425" rIns="91425" bIns="91425" anchor="t" anchorCtr="0">
+            <a:noAutofit/>
+          </a:bodyPr>
+          <a:lstStyle/>
+          <a:p>
+            <a:pPr marL="0" lvl="0" indent="0" algn="l" rtl="0">
+              <a:spcBef>
+                <a:spcPts val="0"/>
+              </a:spcBef>
+              <a:spcAft>
+                <a:spcPts val="0"/>
+              </a:spcAft>
+              <a:buNone/>
+            </a:pPr>
+            <a:r>
+              <a:rPr lang="en-US" dirty="0"/>
+              <a:t>OK.</a:t>
+            </a:r>
+          </a:p>
+          <a:p>
+            <a:pPr marL="0" lvl="0" indent="0" algn="l" rtl="0">
+              <a:spcBef>
+                <a:spcPts val="0"/>
+              </a:spcBef>
+              <a:spcAft>
+                <a:spcPts val="0"/>
+              </a:spcAft>
+              <a:buNone/>
+            </a:pPr>
+            <a:r>
+              <a:rPr lang="en-US" dirty="0"/>
+              <a:t>What have we added?</a:t>
+            </a:r>
+          </a:p>
+          <a:p>
+            <a:pPr marL="0" lvl="0" indent="0" algn="l" rtl="0">
+              <a:spcBef>
+                <a:spcPts val="0"/>
+              </a:spcBef>
+              <a:spcAft>
+                <a:spcPts val="0"/>
+              </a:spcAft>
+              <a:buNone/>
+            </a:pPr>
+            <a:r>
+              <a:rPr lang="en-US" dirty="0"/>
+              <a:t>First, simple kind of program.</a:t>
+            </a:r>
+          </a:p>
+          <a:p>
+            <a:pPr marL="0" lvl="0" indent="0" algn="l" rtl="0">
+              <a:spcBef>
+                <a:spcPts val="0"/>
+              </a:spcBef>
+              <a:spcAft>
+                <a:spcPts val="0"/>
+              </a:spcAft>
+              <a:buNone/>
+            </a:pPr>
+            <a:r>
+              <a:rPr lang="en-US" dirty="0"/>
+              <a:t>Branching programs allow us to make choices</a:t>
+            </a:r>
+          </a:p>
+          <a:p>
+            <a:pPr marL="0" lvl="0" indent="0" algn="l" rtl="0">
+              <a:spcBef>
+                <a:spcPts val="0"/>
+              </a:spcBef>
+              <a:spcAft>
+                <a:spcPts val="0"/>
+              </a:spcAft>
+              <a:buNone/>
+            </a:pPr>
+            <a:r>
+              <a:rPr lang="en-US" dirty="0"/>
+              <a:t>and do different things.</a:t>
+            </a:r>
+          </a:p>
+          <a:p>
+            <a:pPr marL="0" lvl="0" indent="0" algn="l" rtl="0">
+              <a:spcBef>
+                <a:spcPts val="0"/>
+              </a:spcBef>
+              <a:spcAft>
+                <a:spcPts val="0"/>
+              </a:spcAft>
+              <a:buNone/>
+            </a:pPr>
+            <a:r>
+              <a:rPr lang="en-US" dirty="0"/>
+              <a:t>But it's still the case that at most each statement</a:t>
+            </a:r>
+          </a:p>
+          <a:p>
+            <a:pPr marL="0" lvl="0" indent="0" algn="l" rtl="0">
+              <a:spcBef>
+                <a:spcPts val="0"/>
+              </a:spcBef>
+              <a:spcAft>
+                <a:spcPts val="0"/>
+              </a:spcAft>
+              <a:buNone/>
+            </a:pPr>
+            <a:r>
+              <a:rPr lang="en-US" dirty="0"/>
+              <a:t>gets executed once.</a:t>
+            </a:r>
+          </a:p>
+          <a:p>
+            <a:pPr marL="0" lvl="0" indent="0" algn="l" rtl="0">
+              <a:spcBef>
+                <a:spcPts val="0"/>
+              </a:spcBef>
+              <a:spcAft>
+                <a:spcPts val="0"/>
+              </a:spcAft>
+              <a:buNone/>
+            </a:pPr>
+            <a:r>
+              <a:rPr lang="en-US" dirty="0"/>
+              <a:t>I might skip a set of statements if I skip over that branch,</a:t>
+            </a:r>
+          </a:p>
+          <a:p>
+            <a:pPr marL="0" lvl="0" indent="0" algn="l" rtl="0">
+              <a:spcBef>
+                <a:spcPts val="0"/>
+              </a:spcBef>
+              <a:spcAft>
+                <a:spcPts val="0"/>
+              </a:spcAft>
+              <a:buNone/>
+            </a:pPr>
+            <a:r>
+              <a:rPr lang="en-US" dirty="0"/>
+              <a:t>because I don't get there.</a:t>
+            </a:r>
+          </a:p>
+          <a:p>
+            <a:pPr marL="0" lvl="0" indent="0" algn="l" rtl="0">
+              <a:spcBef>
+                <a:spcPts val="0"/>
+              </a:spcBef>
+              <a:spcAft>
+                <a:spcPts val="0"/>
+              </a:spcAft>
+              <a:buNone/>
+            </a:pPr>
+            <a:r>
+              <a:rPr lang="en-US" dirty="0"/>
+              <a:t>But as a consequence of this, these</a:t>
+            </a:r>
+          </a:p>
+          <a:p>
+            <a:pPr marL="0" lvl="0" indent="0" algn="l" rtl="0">
+              <a:spcBef>
+                <a:spcPts val="0"/>
+              </a:spcBef>
+              <a:spcAft>
+                <a:spcPts val="0"/>
+              </a:spcAft>
+              <a:buNone/>
+            </a:pPr>
+            <a:r>
+              <a:rPr lang="en-US" dirty="0"/>
+              <a:t>are what we would call linear programs.</a:t>
+            </a:r>
+          </a:p>
+          <a:p>
+            <a:pPr marL="0" lvl="0" indent="0" algn="l" rtl="0">
+              <a:spcBef>
+                <a:spcPts val="0"/>
+              </a:spcBef>
+              <a:spcAft>
+                <a:spcPts val="0"/>
+              </a:spcAft>
+              <a:buNone/>
+            </a:pPr>
+            <a:r>
+              <a:rPr lang="en-US" dirty="0"/>
+              <a:t>They run in constant time because I execute</a:t>
+            </a:r>
+          </a:p>
+          <a:p>
+            <a:pPr marL="0" lvl="0" indent="0" algn="l" rtl="0">
+              <a:spcBef>
+                <a:spcPts val="0"/>
+              </a:spcBef>
+              <a:spcAft>
+                <a:spcPts val="0"/>
+              </a:spcAft>
+              <a:buNone/>
+            </a:pPr>
+            <a:r>
+              <a:rPr lang="en-US" dirty="0"/>
+              <a:t>each instruction at most once.</a:t>
+            </a:r>
+          </a:p>
+          <a:p>
+            <a:pPr marL="0" lvl="0" indent="0" algn="l" rtl="0">
+              <a:spcBef>
+                <a:spcPts val="0"/>
+              </a:spcBef>
+              <a:spcAft>
+                <a:spcPts val="0"/>
+              </a:spcAft>
+              <a:buNone/>
+            </a:pPr>
+            <a:r>
+              <a:rPr lang="en-US" dirty="0"/>
+              <a:t>And the maximum time to run the program</a:t>
+            </a:r>
+          </a:p>
+          <a:p>
+            <a:pPr marL="0" lvl="0" indent="0" algn="l" rtl="0">
+              <a:spcBef>
+                <a:spcPts val="0"/>
+              </a:spcBef>
+              <a:spcAft>
+                <a:spcPts val="0"/>
+              </a:spcAft>
+              <a:buNone/>
+            </a:pPr>
+            <a:r>
+              <a:rPr lang="en-US" dirty="0"/>
+              <a:t>is going to depend only on the number of instructions</a:t>
+            </a:r>
+          </a:p>
+          <a:p>
+            <a:pPr marL="0" lvl="0" indent="0" algn="l" rtl="0">
+              <a:spcBef>
+                <a:spcPts val="0"/>
+              </a:spcBef>
+              <a:spcAft>
+                <a:spcPts val="0"/>
+              </a:spcAft>
+              <a:buNone/>
+            </a:pPr>
+            <a:r>
+              <a:rPr lang="en-US" dirty="0"/>
+              <a:t>that I have there.</a:t>
+            </a:r>
+          </a:p>
+          <a:p>
+            <a:pPr marL="0" lvl="0" indent="0" algn="l" rtl="0">
+              <a:spcBef>
+                <a:spcPts val="0"/>
+              </a:spcBef>
+              <a:spcAft>
+                <a:spcPts val="0"/>
+              </a:spcAft>
+              <a:buNone/>
+            </a:pPr>
+            <a:r>
+              <a:rPr lang="en-US" dirty="0"/>
+              <a:t>Still valuable to make some decisions,</a:t>
+            </a:r>
+          </a:p>
+          <a:p>
+            <a:pPr marL="0" lvl="0" indent="0" algn="l" rtl="0">
+              <a:spcBef>
+                <a:spcPts val="0"/>
+              </a:spcBef>
+              <a:spcAft>
+                <a:spcPts val="0"/>
+              </a:spcAft>
+              <a:buNone/>
+            </a:pPr>
+            <a:r>
+              <a:rPr lang="en-US" dirty="0"/>
+              <a:t>but it's not going to give us the power that we</a:t>
+            </a:r>
+          </a:p>
+          <a:p>
+            <a:pPr marL="0" lvl="0" indent="0" algn="l" rtl="0">
+              <a:spcBef>
+                <a:spcPts val="0"/>
+              </a:spcBef>
+              <a:spcAft>
+                <a:spcPts val="0"/>
+              </a:spcAft>
+              <a:buNone/>
+            </a:pPr>
+            <a:r>
+              <a:rPr lang="en-US" dirty="0"/>
+              <a:t>want to really build interesting algorithms.</a:t>
+            </a:r>
+          </a:p>
+          <a:p>
+            <a:pPr marL="0" lvl="0" indent="0" algn="l" rtl="0">
+              <a:spcBef>
+                <a:spcPts val="0"/>
+              </a:spcBef>
+              <a:spcAft>
+                <a:spcPts val="0"/>
+              </a:spcAft>
+              <a:buNone/>
+            </a:pPr>
+            <a:r>
+              <a:rPr lang="en-US"/>
+              <a:t>And </a:t>
+            </a:r>
+            <a:r>
+              <a:rPr lang="en-US" dirty="0"/>
+              <a:t>that, we're going to get to after we practice this a bit.</a:t>
+            </a:r>
+            <a:endParaRPr dirty="0"/>
+          </a:p>
+        </p:txBody>
+      </p:sp>
+    </p:spTree>
+    <p:extLst>
+      <p:ext uri="{BB962C8B-B14F-4D97-AF65-F5344CB8AC3E}">
+        <p14:creationId xmlns:p14="http://schemas.microsoft.com/office/powerpoint/2010/main" val="2664596390"/>
+      </p:ext>
+    </p:extLst>
+  </p:cSld>
+  <p:clrMapOvr>
+    <a:masterClrMapping/>
+  </p:clrMapOvr>
+</p:notes>
+</file>
+
+<file path=ppt/notesSlides/notesSlide15.xml><?xml version="1.0" encoding="utf-8"?>
 <p:notes xmlns:a="http://schemas.openxmlformats.org/drawingml/2006/main" xmlns:r="http://schemas.openxmlformats.org/officeDocument/2006/relationships" xmlns:p="http://schemas.openxmlformats.org/presentationml/2006/main" showMasterSp="0" showMasterPhAnim="0">
   <p:cSld>
     <p:spTree>
@@ -15830,6 +16903,900 @@
   <p:cSld>
     <p:spTree>
       <p:nvGrpSpPr>
+        <p:cNvPr id="1" name="Shape 428"/>
+        <p:cNvGrpSpPr/>
+        <p:nvPr/>
+      </p:nvGrpSpPr>
+      <p:grpSpPr>
+        <a:xfrm>
+          <a:off x="0" y="0"/>
+          <a:ext cx="0" cy="0"/>
+          <a:chOff x="0" y="0"/>
+          <a:chExt cx="0" cy="0"/>
+        </a:xfrm>
+      </p:grpSpPr>
+      <p:sp>
+        <p:nvSpPr>
+          <p:cNvPr id="433" name="Google Shape;433;p22"/>
+          <p:cNvSpPr txBox="1">
+            <a:spLocks noGrp="1"/>
+          </p:cNvSpPr>
+          <p:nvPr>
+            <p:ph type="sldNum" idx="12"/>
+          </p:nvPr>
+        </p:nvSpPr>
+        <p:spPr>
+          <a:xfrm>
+            <a:off x="13557" y="4785525"/>
+            <a:ext cx="548700" cy="357900"/>
+          </a:xfrm>
+          <a:prstGeom prst="rect">
+            <a:avLst/>
+          </a:prstGeom>
+        </p:spPr>
+        <p:txBody>
+          <a:bodyPr spcFirstLastPara="1" wrap="square" lIns="91425" tIns="91425" rIns="91425" bIns="91425" anchor="t" anchorCtr="0">
+            <a:noAutofit/>
+          </a:bodyPr>
+          <a:lstStyle/>
+          <a:p>
+            <a:pPr marL="0" lvl="0" indent="0" algn="l" rtl="0">
+              <a:spcBef>
+                <a:spcPts val="0"/>
+              </a:spcBef>
+              <a:spcAft>
+                <a:spcPts val="0"/>
+              </a:spcAft>
+              <a:buNone/>
+            </a:pPr>
+            <a:fld id="{00000000-1234-1234-1234-123412341234}" type="slidenum">
+              <a:rPr lang="en"/>
+              <a:t>13</a:t>
+            </a:fld>
+            <a:endParaRPr/>
+          </a:p>
+        </p:txBody>
+      </p:sp>
+      <p:sp>
+        <p:nvSpPr>
+          <p:cNvPr id="7" name="Rectangle 6">
+            <a:extLst>
+              <a:ext uri="{FF2B5EF4-FFF2-40B4-BE49-F238E27FC236}">
+                <a16:creationId xmlns:a16="http://schemas.microsoft.com/office/drawing/2014/main" id="{3B9CCF0A-B6AC-4E3E-9AE0-0E6C02D98C1E}"/>
+              </a:ext>
+            </a:extLst>
+          </p:cNvPr>
+          <p:cNvSpPr/>
+          <p:nvPr/>
+        </p:nvSpPr>
+        <p:spPr>
+          <a:xfrm>
+            <a:off x="2422014" y="182099"/>
+            <a:ext cx="2555508" cy="584775"/>
+          </a:xfrm>
+          <a:prstGeom prst="rect">
+            <a:avLst/>
+          </a:prstGeom>
+        </p:spPr>
+        <p:txBody>
+          <a:bodyPr wrap="none">
+            <a:spAutoFit/>
+          </a:bodyPr>
+          <a:lstStyle/>
+          <a:p>
+            <a:r>
+              <a:rPr lang="en-CA" sz="3200" dirty="0">
+                <a:solidFill>
+                  <a:srgbClr val="19BBD5"/>
+                </a:solidFill>
+                <a:latin typeface="Nixie One"/>
+                <a:sym typeface="Nixie One"/>
+              </a:rPr>
+              <a:t>Indentation</a:t>
+            </a:r>
+            <a:endParaRPr lang="en-CA" sz="3200" dirty="0">
+              <a:solidFill>
+                <a:schemeClr val="accent2"/>
+              </a:solidFill>
+              <a:latin typeface="Courier New" panose="02070309020205020404" pitchFamily="49" charset="0"/>
+              <a:cs typeface="Courier New" panose="02070309020205020404" pitchFamily="49" charset="0"/>
+            </a:endParaRPr>
+          </a:p>
+        </p:txBody>
+      </p:sp>
+      <p:sp>
+        <p:nvSpPr>
+          <p:cNvPr id="4" name="Rectangle 3">
+            <a:extLst>
+              <a:ext uri="{FF2B5EF4-FFF2-40B4-BE49-F238E27FC236}">
+                <a16:creationId xmlns:a16="http://schemas.microsoft.com/office/drawing/2014/main" id="{F2D98915-2730-44C5-A61F-55A36F7CB933}"/>
+              </a:ext>
+            </a:extLst>
+          </p:cNvPr>
+          <p:cNvSpPr/>
+          <p:nvPr/>
+        </p:nvSpPr>
+        <p:spPr>
+          <a:xfrm>
+            <a:off x="1722409" y="906906"/>
+            <a:ext cx="6842238" cy="4124206"/>
+          </a:xfrm>
+          <a:prstGeom prst="rect">
+            <a:avLst/>
+          </a:prstGeom>
+        </p:spPr>
+        <p:txBody>
+          <a:bodyPr wrap="square">
+            <a:spAutoFit/>
+          </a:bodyPr>
+          <a:lstStyle/>
+          <a:p>
+            <a:pPr>
+              <a:buClr>
+                <a:schemeClr val="accent4"/>
+              </a:buClr>
+            </a:pPr>
+            <a:r>
+              <a:rPr lang="en-US" sz="1800" dirty="0">
+                <a:solidFill>
+                  <a:srgbClr val="C6DAEC"/>
+                </a:solidFill>
+                <a:latin typeface="Muli"/>
+              </a:rPr>
+              <a:t>Indentation… it REALLY matters in Python</a:t>
+            </a:r>
+          </a:p>
+          <a:p>
+            <a:pPr>
+              <a:buClr>
+                <a:schemeClr val="accent4"/>
+              </a:buClr>
+            </a:pPr>
+            <a:endParaRPr lang="en-US" sz="1800" dirty="0">
+              <a:solidFill>
+                <a:srgbClr val="C6DAEC"/>
+              </a:solidFill>
+              <a:latin typeface="Muli"/>
+            </a:endParaRPr>
+          </a:p>
+          <a:p>
+            <a:pPr>
+              <a:buClr>
+                <a:schemeClr val="accent4"/>
+              </a:buClr>
+            </a:pPr>
+            <a:r>
+              <a:rPr lang="en-US" sz="1800" dirty="0">
+                <a:solidFill>
+                  <a:srgbClr val="C6DAEC"/>
+                </a:solidFill>
+                <a:latin typeface="Muli"/>
+              </a:rPr>
+              <a:t>How you denote blocks of code</a:t>
+            </a:r>
+          </a:p>
+          <a:p>
+            <a:pPr>
+              <a:buClr>
+                <a:schemeClr val="accent4"/>
+              </a:buClr>
+            </a:pPr>
+            <a:r>
+              <a:rPr lang="en-US" sz="1600" dirty="0">
+                <a:solidFill>
+                  <a:schemeClr val="accent2"/>
+                </a:solidFill>
+                <a:latin typeface="Courier New" panose="02070309020205020404" pitchFamily="49" charset="0"/>
+                <a:cs typeface="Courier New" panose="02070309020205020404" pitchFamily="49" charset="0"/>
+              </a:rPr>
+              <a:t>x = float((input(</a:t>
+            </a:r>
+            <a:r>
+              <a:rPr lang="en-US" sz="1600" dirty="0">
+                <a:solidFill>
+                  <a:schemeClr val="accent3">
+                    <a:lumMod val="60000"/>
+                    <a:lumOff val="40000"/>
+                  </a:schemeClr>
+                </a:solidFill>
+                <a:latin typeface="Courier New" panose="02070309020205020404" pitchFamily="49" charset="0"/>
+                <a:cs typeface="Courier New" panose="02070309020205020404" pitchFamily="49" charset="0"/>
+              </a:rPr>
+              <a:t>“Enter a number for x: ”</a:t>
+            </a:r>
+            <a:r>
+              <a:rPr lang="en-US" sz="1600" dirty="0">
+                <a:solidFill>
+                  <a:schemeClr val="accent2"/>
+                </a:solidFill>
+                <a:latin typeface="Courier New" panose="02070309020205020404" pitchFamily="49" charset="0"/>
+                <a:cs typeface="Courier New" panose="02070309020205020404" pitchFamily="49" charset="0"/>
+              </a:rPr>
+              <a:t>)</a:t>
+            </a:r>
+          </a:p>
+          <a:p>
+            <a:pPr>
+              <a:buClr>
+                <a:schemeClr val="accent4"/>
+              </a:buClr>
+            </a:pPr>
+            <a:r>
+              <a:rPr lang="en-US" sz="1600" dirty="0">
+                <a:solidFill>
+                  <a:schemeClr val="accent2"/>
+                </a:solidFill>
+                <a:latin typeface="Courier New" panose="02070309020205020404" pitchFamily="49" charset="0"/>
+                <a:cs typeface="Courier New" panose="02070309020205020404" pitchFamily="49" charset="0"/>
+              </a:rPr>
+              <a:t>y = float(input(</a:t>
+            </a:r>
+            <a:r>
+              <a:rPr lang="en-US" sz="1600" dirty="0">
+                <a:solidFill>
+                  <a:schemeClr val="accent3">
+                    <a:lumMod val="60000"/>
+                    <a:lumOff val="40000"/>
+                  </a:schemeClr>
+                </a:solidFill>
+                <a:latin typeface="Courier New" panose="02070309020205020404" pitchFamily="49" charset="0"/>
+                <a:cs typeface="Courier New" panose="02070309020205020404" pitchFamily="49" charset="0"/>
+              </a:rPr>
+              <a:t>“Enter a number for y: ”</a:t>
+            </a:r>
+            <a:r>
+              <a:rPr lang="en-US" sz="1600" dirty="0">
+                <a:solidFill>
+                  <a:schemeClr val="accent2"/>
+                </a:solidFill>
+                <a:latin typeface="Courier New" panose="02070309020205020404" pitchFamily="49" charset="0"/>
+                <a:cs typeface="Courier New" panose="02070309020205020404" pitchFamily="49" charset="0"/>
+              </a:rPr>
+              <a:t>)</a:t>
+            </a:r>
+          </a:p>
+          <a:p>
+            <a:pPr>
+              <a:buClr>
+                <a:schemeClr val="accent4"/>
+              </a:buClr>
+            </a:pPr>
+            <a:r>
+              <a:rPr lang="en-US" sz="1600" dirty="0">
+                <a:solidFill>
+                  <a:schemeClr val="accent1">
+                    <a:lumMod val="60000"/>
+                    <a:lumOff val="40000"/>
+                  </a:schemeClr>
+                </a:solidFill>
+                <a:latin typeface="Courier New" panose="02070309020205020404" pitchFamily="49" charset="0"/>
+                <a:cs typeface="Courier New" panose="02070309020205020404" pitchFamily="49" charset="0"/>
+              </a:rPr>
+              <a:t>if</a:t>
+            </a:r>
+            <a:r>
+              <a:rPr lang="en-US" sz="1600" dirty="0">
+                <a:solidFill>
+                  <a:schemeClr val="accent2"/>
+                </a:solidFill>
+                <a:latin typeface="Courier New" panose="02070309020205020404" pitchFamily="49" charset="0"/>
+                <a:cs typeface="Courier New" panose="02070309020205020404" pitchFamily="49" charset="0"/>
+              </a:rPr>
+              <a:t> x == y :</a:t>
+            </a:r>
+          </a:p>
+          <a:p>
+            <a:pPr>
+              <a:buClr>
+                <a:schemeClr val="accent4"/>
+              </a:buClr>
+            </a:pPr>
+            <a:r>
+              <a:rPr lang="en-US" sz="1600" dirty="0">
+                <a:solidFill>
+                  <a:schemeClr val="accent2"/>
+                </a:solidFill>
+                <a:latin typeface="Courier New" panose="02070309020205020404" pitchFamily="49" charset="0"/>
+                <a:cs typeface="Courier New" panose="02070309020205020404" pitchFamily="49" charset="0"/>
+              </a:rPr>
+              <a:t>    print(</a:t>
+            </a:r>
+            <a:r>
+              <a:rPr lang="en-US" sz="1600" dirty="0">
+                <a:solidFill>
+                  <a:schemeClr val="accent3">
+                    <a:lumMod val="60000"/>
+                    <a:lumOff val="40000"/>
+                  </a:schemeClr>
+                </a:solidFill>
+                <a:latin typeface="Courier New" panose="02070309020205020404" pitchFamily="49" charset="0"/>
+                <a:cs typeface="Courier New" panose="02070309020205020404" pitchFamily="49" charset="0"/>
+              </a:rPr>
+              <a:t>‘x and y are equal’</a:t>
+            </a:r>
+            <a:r>
+              <a:rPr lang="en-US" sz="1600" dirty="0">
+                <a:solidFill>
+                  <a:schemeClr val="accent2"/>
+                </a:solidFill>
+                <a:latin typeface="Courier New" panose="02070309020205020404" pitchFamily="49" charset="0"/>
+                <a:cs typeface="Courier New" panose="02070309020205020404" pitchFamily="49" charset="0"/>
+              </a:rPr>
+              <a:t>)</a:t>
+            </a:r>
+          </a:p>
+          <a:p>
+            <a:pPr>
+              <a:buClr>
+                <a:schemeClr val="accent4"/>
+              </a:buClr>
+            </a:pPr>
+            <a:r>
+              <a:rPr lang="en-US" sz="1600" dirty="0">
+                <a:solidFill>
+                  <a:schemeClr val="accent2"/>
+                </a:solidFill>
+                <a:latin typeface="Courier New" panose="02070309020205020404" pitchFamily="49" charset="0"/>
+                <a:cs typeface="Courier New" panose="02070309020205020404" pitchFamily="49" charset="0"/>
+              </a:rPr>
+              <a:t>    </a:t>
+            </a:r>
+            <a:r>
+              <a:rPr lang="en-US" sz="1600" dirty="0">
+                <a:solidFill>
+                  <a:schemeClr val="accent1">
+                    <a:lumMod val="60000"/>
+                    <a:lumOff val="40000"/>
+                  </a:schemeClr>
+                </a:solidFill>
+                <a:latin typeface="Courier New" panose="02070309020205020404" pitchFamily="49" charset="0"/>
+                <a:cs typeface="Courier New" panose="02070309020205020404" pitchFamily="49" charset="0"/>
+              </a:rPr>
+              <a:t>if</a:t>
+            </a:r>
+            <a:r>
+              <a:rPr lang="en-US" sz="1600" dirty="0">
+                <a:solidFill>
+                  <a:schemeClr val="accent2"/>
+                </a:solidFill>
+                <a:latin typeface="Courier New" panose="02070309020205020404" pitchFamily="49" charset="0"/>
+                <a:cs typeface="Courier New" panose="02070309020205020404" pitchFamily="49" charset="0"/>
+              </a:rPr>
+              <a:t> y != 0:</a:t>
+            </a:r>
+          </a:p>
+          <a:p>
+            <a:pPr>
+              <a:buClr>
+                <a:schemeClr val="accent4"/>
+              </a:buClr>
+            </a:pPr>
+            <a:r>
+              <a:rPr lang="en-US" sz="1600" dirty="0">
+                <a:solidFill>
+                  <a:schemeClr val="accent2"/>
+                </a:solidFill>
+                <a:latin typeface="Courier New" panose="02070309020205020404" pitchFamily="49" charset="0"/>
+                <a:cs typeface="Courier New" panose="02070309020205020404" pitchFamily="49" charset="0"/>
+              </a:rPr>
+              <a:t>        print(</a:t>
+            </a:r>
+            <a:r>
+              <a:rPr lang="en-US" sz="1600" dirty="0">
+                <a:solidFill>
+                  <a:schemeClr val="accent3">
+                    <a:lumMod val="60000"/>
+                    <a:lumOff val="40000"/>
+                  </a:schemeClr>
+                </a:solidFill>
+                <a:latin typeface="Courier New" panose="02070309020205020404" pitchFamily="49" charset="0"/>
+                <a:cs typeface="Courier New" panose="02070309020205020404" pitchFamily="49" charset="0"/>
+              </a:rPr>
+              <a:t>“therefore, x / y is”</a:t>
+            </a:r>
+            <a:r>
+              <a:rPr lang="en-US" sz="1600" dirty="0">
+                <a:solidFill>
+                  <a:schemeClr val="accent2"/>
+                </a:solidFill>
+                <a:latin typeface="Courier New" panose="02070309020205020404" pitchFamily="49" charset="0"/>
+                <a:cs typeface="Courier New" panose="02070309020205020404" pitchFamily="49" charset="0"/>
+              </a:rPr>
+              <a:t>,</a:t>
+            </a:r>
+            <a:r>
+              <a:rPr lang="en-US" sz="1600" dirty="0">
+                <a:solidFill>
+                  <a:schemeClr val="accent3">
+                    <a:lumMod val="60000"/>
+                    <a:lumOff val="40000"/>
+                  </a:schemeClr>
+                </a:solidFill>
+                <a:latin typeface="Courier New" panose="02070309020205020404" pitchFamily="49" charset="0"/>
+                <a:cs typeface="Courier New" panose="02070309020205020404" pitchFamily="49" charset="0"/>
+              </a:rPr>
+              <a:t> </a:t>
+            </a:r>
+            <a:r>
+              <a:rPr lang="en-US" sz="1600" dirty="0">
+                <a:solidFill>
+                  <a:schemeClr val="accent2"/>
+                </a:solidFill>
+                <a:latin typeface="Courier New" panose="02070309020205020404" pitchFamily="49" charset="0"/>
+                <a:cs typeface="Courier New" panose="02070309020205020404" pitchFamily="49" charset="0"/>
+              </a:rPr>
+              <a:t>x/y)</a:t>
+            </a:r>
+          </a:p>
+          <a:p>
+            <a:pPr>
+              <a:buClr>
+                <a:schemeClr val="accent4"/>
+              </a:buClr>
+            </a:pPr>
+            <a:endParaRPr lang="en-US" sz="1600" dirty="0">
+              <a:solidFill>
+                <a:schemeClr val="accent1">
+                  <a:lumMod val="60000"/>
+                  <a:lumOff val="40000"/>
+                </a:schemeClr>
+              </a:solidFill>
+              <a:latin typeface="Courier New" panose="02070309020205020404" pitchFamily="49" charset="0"/>
+              <a:cs typeface="Courier New" panose="02070309020205020404" pitchFamily="49" charset="0"/>
+            </a:endParaRPr>
+          </a:p>
+          <a:p>
+            <a:pPr>
+              <a:buClr>
+                <a:schemeClr val="accent4"/>
+              </a:buClr>
+            </a:pPr>
+            <a:r>
+              <a:rPr lang="en-US" sz="1600" dirty="0">
+                <a:solidFill>
+                  <a:schemeClr val="accent1">
+                    <a:lumMod val="60000"/>
+                    <a:lumOff val="40000"/>
+                  </a:schemeClr>
+                </a:solidFill>
+                <a:latin typeface="Courier New" panose="02070309020205020404" pitchFamily="49" charset="0"/>
+                <a:cs typeface="Courier New" panose="02070309020205020404" pitchFamily="49" charset="0"/>
+              </a:rPr>
+              <a:t>elif</a:t>
+            </a:r>
+            <a:r>
+              <a:rPr lang="en-US" sz="1600" dirty="0">
+                <a:solidFill>
+                  <a:schemeClr val="accent2"/>
+                </a:solidFill>
+                <a:latin typeface="Courier New" panose="02070309020205020404" pitchFamily="49" charset="0"/>
+                <a:cs typeface="Courier New" panose="02070309020205020404" pitchFamily="49" charset="0"/>
+              </a:rPr>
+              <a:t> x &lt; y:</a:t>
+            </a:r>
+          </a:p>
+          <a:p>
+            <a:pPr>
+              <a:buClr>
+                <a:schemeClr val="accent4"/>
+              </a:buClr>
+            </a:pPr>
+            <a:r>
+              <a:rPr lang="en-US" sz="1600" dirty="0">
+                <a:solidFill>
+                  <a:schemeClr val="accent2"/>
+                </a:solidFill>
+                <a:latin typeface="Courier New" panose="02070309020205020404" pitchFamily="49" charset="0"/>
+                <a:cs typeface="Courier New" panose="02070309020205020404" pitchFamily="49" charset="0"/>
+              </a:rPr>
+              <a:t>    print(</a:t>
+            </a:r>
+            <a:r>
+              <a:rPr lang="en-US" sz="1600" dirty="0">
+                <a:solidFill>
+                  <a:schemeClr val="accent3">
+                    <a:lumMod val="60000"/>
+                    <a:lumOff val="40000"/>
+                  </a:schemeClr>
+                </a:solidFill>
+                <a:latin typeface="Courier New" panose="02070309020205020404" pitchFamily="49" charset="0"/>
+                <a:cs typeface="Courier New" panose="02070309020205020404" pitchFamily="49" charset="0"/>
+              </a:rPr>
+              <a:t>‘y is smaller’</a:t>
+            </a:r>
+            <a:r>
+              <a:rPr lang="en-US" sz="1600" dirty="0">
+                <a:solidFill>
+                  <a:schemeClr val="accent2"/>
+                </a:solidFill>
+                <a:latin typeface="Courier New" panose="02070309020205020404" pitchFamily="49" charset="0"/>
+                <a:cs typeface="Courier New" panose="02070309020205020404" pitchFamily="49" charset="0"/>
+              </a:rPr>
+              <a:t>)</a:t>
+            </a:r>
+          </a:p>
+          <a:p>
+            <a:pPr>
+              <a:buClr>
+                <a:schemeClr val="accent4"/>
+              </a:buClr>
+            </a:pPr>
+            <a:endParaRPr lang="en-US" sz="1600" dirty="0">
+              <a:solidFill>
+                <a:schemeClr val="accent2"/>
+              </a:solidFill>
+              <a:latin typeface="Courier New" panose="02070309020205020404" pitchFamily="49" charset="0"/>
+              <a:cs typeface="Courier New" panose="02070309020205020404" pitchFamily="49" charset="0"/>
+            </a:endParaRPr>
+          </a:p>
+          <a:p>
+            <a:pPr>
+              <a:buClr>
+                <a:schemeClr val="accent4"/>
+              </a:buClr>
+            </a:pPr>
+            <a:r>
+              <a:rPr lang="en-US" sz="1600" dirty="0">
+                <a:solidFill>
+                  <a:schemeClr val="accent1">
+                    <a:lumMod val="60000"/>
+                    <a:lumOff val="40000"/>
+                  </a:schemeClr>
+                </a:solidFill>
+                <a:latin typeface="Courier New" panose="02070309020205020404" pitchFamily="49" charset="0"/>
+                <a:cs typeface="Courier New" panose="02070309020205020404" pitchFamily="49" charset="0"/>
+              </a:rPr>
+              <a:t>else</a:t>
+            </a:r>
+            <a:r>
+              <a:rPr lang="en-US" sz="1600" dirty="0">
+                <a:solidFill>
+                  <a:schemeClr val="accent2"/>
+                </a:solidFill>
+                <a:latin typeface="Courier New" panose="02070309020205020404" pitchFamily="49" charset="0"/>
+                <a:cs typeface="Courier New" panose="02070309020205020404" pitchFamily="49" charset="0"/>
+              </a:rPr>
+              <a:t>:</a:t>
+            </a:r>
+          </a:p>
+          <a:p>
+            <a:pPr>
+              <a:buClr>
+                <a:schemeClr val="accent4"/>
+              </a:buClr>
+            </a:pPr>
+            <a:r>
+              <a:rPr lang="en-US" sz="1600" dirty="0">
+                <a:solidFill>
+                  <a:schemeClr val="accent2"/>
+                </a:solidFill>
+                <a:latin typeface="Courier New" panose="02070309020205020404" pitchFamily="49" charset="0"/>
+                <a:cs typeface="Courier New" panose="02070309020205020404" pitchFamily="49" charset="0"/>
+              </a:rPr>
+              <a:t>    print(</a:t>
+            </a:r>
+            <a:r>
+              <a:rPr lang="en-US" sz="1600" dirty="0">
+                <a:solidFill>
+                  <a:schemeClr val="accent3">
+                    <a:lumMod val="60000"/>
+                    <a:lumOff val="40000"/>
+                  </a:schemeClr>
+                </a:solidFill>
+                <a:latin typeface="Courier New" panose="02070309020205020404" pitchFamily="49" charset="0"/>
+                <a:cs typeface="Courier New" panose="02070309020205020404" pitchFamily="49" charset="0"/>
+              </a:rPr>
+              <a:t>‘y is smaller’</a:t>
+            </a:r>
+            <a:r>
+              <a:rPr lang="en-US" sz="1600" dirty="0">
+                <a:solidFill>
+                  <a:schemeClr val="accent2"/>
+                </a:solidFill>
+                <a:latin typeface="Courier New" panose="02070309020205020404" pitchFamily="49" charset="0"/>
+                <a:cs typeface="Courier New" panose="02070309020205020404" pitchFamily="49" charset="0"/>
+              </a:rPr>
+              <a:t>)</a:t>
+            </a:r>
+          </a:p>
+          <a:p>
+            <a:pPr>
+              <a:buClr>
+                <a:schemeClr val="accent4"/>
+              </a:buClr>
+            </a:pPr>
+            <a:r>
+              <a:rPr lang="en-US" sz="1600" dirty="0">
+                <a:solidFill>
+                  <a:schemeClr val="accent2"/>
+                </a:solidFill>
+                <a:latin typeface="Courier New" panose="02070309020205020404" pitchFamily="49" charset="0"/>
+                <a:cs typeface="Courier New" panose="02070309020205020404" pitchFamily="49" charset="0"/>
+              </a:rPr>
+              <a:t>print(</a:t>
+            </a:r>
+            <a:r>
+              <a:rPr lang="en-US" sz="1600" dirty="0">
+                <a:solidFill>
+                  <a:schemeClr val="accent3">
+                    <a:lumMod val="60000"/>
+                    <a:lumOff val="40000"/>
+                  </a:schemeClr>
+                </a:solidFill>
+                <a:latin typeface="Courier New" panose="02070309020205020404" pitchFamily="49" charset="0"/>
+                <a:cs typeface="Courier New" panose="02070309020205020404" pitchFamily="49" charset="0"/>
+              </a:rPr>
+              <a:t>“thanks”</a:t>
+            </a:r>
+            <a:r>
+              <a:rPr lang="en-US" sz="1600" dirty="0">
+                <a:solidFill>
+                  <a:schemeClr val="accent2"/>
+                </a:solidFill>
+                <a:latin typeface="Courier New" panose="02070309020205020404" pitchFamily="49" charset="0"/>
+                <a:cs typeface="Courier New" panose="02070309020205020404" pitchFamily="49" charset="0"/>
+              </a:rPr>
+              <a:t>)</a:t>
+            </a:r>
+          </a:p>
+        </p:txBody>
+      </p:sp>
+    </p:spTree>
+    <p:extLst>
+      <p:ext uri="{BB962C8B-B14F-4D97-AF65-F5344CB8AC3E}">
+        <p14:creationId xmlns:p14="http://schemas.microsoft.com/office/powerpoint/2010/main" val="709015705"/>
+      </p:ext>
+    </p:extLst>
+  </p:cSld>
+  <p:clrMapOvr>
+    <a:masterClrMapping/>
+  </p:clrMapOvr>
+</p:sld>
+</file>
+
+<file path=ppt/slides/slide14.xml><?xml version="1.0" encoding="utf-8"?>
+<p:sld xmlns:a="http://schemas.openxmlformats.org/drawingml/2006/main" xmlns:r="http://schemas.openxmlformats.org/officeDocument/2006/relationships" xmlns:p="http://schemas.openxmlformats.org/presentationml/2006/main">
+  <p:cSld>
+    <p:spTree>
+      <p:nvGrpSpPr>
+        <p:cNvPr id="1" name="Shape 428"/>
+        <p:cNvGrpSpPr/>
+        <p:nvPr/>
+      </p:nvGrpSpPr>
+      <p:grpSpPr>
+        <a:xfrm>
+          <a:off x="0" y="0"/>
+          <a:ext cx="0" cy="0"/>
+          <a:chOff x="0" y="0"/>
+          <a:chExt cx="0" cy="0"/>
+        </a:xfrm>
+      </p:grpSpPr>
+      <p:sp>
+        <p:nvSpPr>
+          <p:cNvPr id="433" name="Google Shape;433;p22"/>
+          <p:cNvSpPr txBox="1">
+            <a:spLocks noGrp="1"/>
+          </p:cNvSpPr>
+          <p:nvPr>
+            <p:ph type="sldNum" idx="12"/>
+          </p:nvPr>
+        </p:nvSpPr>
+        <p:spPr>
+          <a:xfrm>
+            <a:off x="13557" y="4785525"/>
+            <a:ext cx="548700" cy="357900"/>
+          </a:xfrm>
+          <a:prstGeom prst="rect">
+            <a:avLst/>
+          </a:prstGeom>
+        </p:spPr>
+        <p:txBody>
+          <a:bodyPr spcFirstLastPara="1" wrap="square" lIns="91425" tIns="91425" rIns="91425" bIns="91425" anchor="t" anchorCtr="0">
+            <a:noAutofit/>
+          </a:bodyPr>
+          <a:lstStyle/>
+          <a:p>
+            <a:pPr marL="0" lvl="0" indent="0" algn="l" rtl="0">
+              <a:spcBef>
+                <a:spcPts val="0"/>
+              </a:spcBef>
+              <a:spcAft>
+                <a:spcPts val="0"/>
+              </a:spcAft>
+              <a:buNone/>
+            </a:pPr>
+            <a:fld id="{00000000-1234-1234-1234-123412341234}" type="slidenum">
+              <a:rPr lang="en"/>
+              <a:t>14</a:t>
+            </a:fld>
+            <a:endParaRPr/>
+          </a:p>
+        </p:txBody>
+      </p:sp>
+      <p:sp>
+        <p:nvSpPr>
+          <p:cNvPr id="7" name="Rectangle 6">
+            <a:extLst>
+              <a:ext uri="{FF2B5EF4-FFF2-40B4-BE49-F238E27FC236}">
+                <a16:creationId xmlns:a16="http://schemas.microsoft.com/office/drawing/2014/main" id="{3B9CCF0A-B6AC-4E3E-9AE0-0E6C02D98C1E}"/>
+              </a:ext>
+            </a:extLst>
+          </p:cNvPr>
+          <p:cNvSpPr/>
+          <p:nvPr/>
+        </p:nvSpPr>
+        <p:spPr>
+          <a:xfrm>
+            <a:off x="2422014" y="182099"/>
+            <a:ext cx="4658648" cy="584775"/>
+          </a:xfrm>
+          <a:prstGeom prst="rect">
+            <a:avLst/>
+          </a:prstGeom>
+        </p:spPr>
+        <p:txBody>
+          <a:bodyPr wrap="none">
+            <a:spAutoFit/>
+          </a:bodyPr>
+          <a:lstStyle/>
+          <a:p>
+            <a:r>
+              <a:rPr lang="en-CA" sz="3200" dirty="0">
+                <a:solidFill>
+                  <a:srgbClr val="19BBD5"/>
+                </a:solidFill>
+                <a:latin typeface="Nixie One"/>
+                <a:cs typeface="Courier New" panose="02070309020205020404" pitchFamily="49" charset="0"/>
+                <a:sym typeface="Nixie One"/>
+              </a:rPr>
+              <a:t>What have we added?</a:t>
+            </a:r>
+            <a:endParaRPr lang="en-CA" sz="3200" dirty="0">
+              <a:solidFill>
+                <a:schemeClr val="accent2"/>
+              </a:solidFill>
+              <a:latin typeface="Courier New" panose="02070309020205020404" pitchFamily="49" charset="0"/>
+              <a:cs typeface="Courier New" panose="02070309020205020404" pitchFamily="49" charset="0"/>
+            </a:endParaRPr>
+          </a:p>
+        </p:txBody>
+      </p:sp>
+      <p:sp>
+        <p:nvSpPr>
+          <p:cNvPr id="4" name="Rectangle 3">
+            <a:extLst>
+              <a:ext uri="{FF2B5EF4-FFF2-40B4-BE49-F238E27FC236}">
+                <a16:creationId xmlns:a16="http://schemas.microsoft.com/office/drawing/2014/main" id="{F2D98915-2730-44C5-A61F-55A36F7CB933}"/>
+              </a:ext>
+            </a:extLst>
+          </p:cNvPr>
+          <p:cNvSpPr/>
+          <p:nvPr/>
+        </p:nvSpPr>
+        <p:spPr>
+          <a:xfrm>
+            <a:off x="1722409" y="1183131"/>
+            <a:ext cx="6842238" cy="2862322"/>
+          </a:xfrm>
+          <a:prstGeom prst="rect">
+            <a:avLst/>
+          </a:prstGeom>
+        </p:spPr>
+        <p:txBody>
+          <a:bodyPr wrap="square">
+            <a:spAutoFit/>
+          </a:bodyPr>
+          <a:lstStyle/>
+          <a:p>
+            <a:r>
+              <a:rPr lang="en-US" sz="1800" dirty="0">
+                <a:solidFill>
+                  <a:srgbClr val="C6DAEC"/>
+                </a:solidFill>
+                <a:latin typeface="Muli"/>
+              </a:rPr>
+              <a:t>Branching programs allow us to make choices and do different things</a:t>
+            </a:r>
+          </a:p>
+          <a:p>
+            <a:endParaRPr lang="en-US" sz="1800" dirty="0">
+              <a:solidFill>
+                <a:srgbClr val="C6DAEC"/>
+              </a:solidFill>
+              <a:latin typeface="Muli"/>
+              <a:cs typeface="Courier New" panose="02070309020205020404" pitchFamily="49" charset="0"/>
+            </a:endParaRPr>
+          </a:p>
+          <a:p>
+            <a:r>
+              <a:rPr lang="en-US" sz="1800" dirty="0">
+                <a:solidFill>
+                  <a:srgbClr val="C6DAEC"/>
+                </a:solidFill>
+                <a:latin typeface="Muli"/>
+                <a:cs typeface="Courier New" panose="02070309020205020404" pitchFamily="49" charset="0"/>
+              </a:rPr>
+              <a:t>But still the case that at most, each statement gets execute once.</a:t>
+            </a:r>
+          </a:p>
+          <a:p>
+            <a:endParaRPr lang="en-US" sz="1800" dirty="0">
+              <a:solidFill>
+                <a:srgbClr val="C6DAEC"/>
+              </a:solidFill>
+              <a:latin typeface="Muli"/>
+              <a:cs typeface="Courier New" panose="02070309020205020404" pitchFamily="49" charset="0"/>
+            </a:endParaRPr>
+          </a:p>
+          <a:p>
+            <a:r>
+              <a:rPr lang="en-US" sz="1800" dirty="0">
+                <a:solidFill>
+                  <a:srgbClr val="C6DAEC"/>
+                </a:solidFill>
+                <a:latin typeface="Muli"/>
+                <a:cs typeface="Courier New" panose="02070309020205020404" pitchFamily="49" charset="0"/>
+              </a:rPr>
+              <a:t>So maximum time to run the program depends only on the length of the program</a:t>
+            </a:r>
+          </a:p>
+          <a:p>
+            <a:endParaRPr lang="en-US" sz="1800" dirty="0">
+              <a:solidFill>
+                <a:srgbClr val="C6DAEC"/>
+              </a:solidFill>
+              <a:latin typeface="Muli"/>
+              <a:cs typeface="Courier New" panose="02070309020205020404" pitchFamily="49" charset="0"/>
+            </a:endParaRPr>
+          </a:p>
+          <a:p>
+            <a:r>
+              <a:rPr lang="en-US" sz="1800" dirty="0">
+                <a:solidFill>
+                  <a:srgbClr val="C6DAEC"/>
+                </a:solidFill>
+                <a:latin typeface="Muli"/>
+                <a:cs typeface="Courier New" panose="02070309020205020404" pitchFamily="49" charset="0"/>
+              </a:rPr>
+              <a:t>These programs run in </a:t>
+            </a:r>
+            <a:r>
+              <a:rPr lang="en-US" sz="1800" dirty="0">
+                <a:solidFill>
+                  <a:schemeClr val="accent2"/>
+                </a:solidFill>
+                <a:latin typeface="Muli"/>
+                <a:cs typeface="Courier New" panose="02070309020205020404" pitchFamily="49" charset="0"/>
+              </a:rPr>
+              <a:t>constant time</a:t>
+            </a:r>
+            <a:endParaRPr lang="en-US" sz="1800" dirty="0">
+              <a:solidFill>
+                <a:schemeClr val="accent2"/>
+              </a:solidFill>
+              <a:latin typeface="Muli"/>
+            </a:endParaRPr>
+          </a:p>
+        </p:txBody>
+      </p:sp>
+    </p:spTree>
+    <p:extLst>
+      <p:ext uri="{BB962C8B-B14F-4D97-AF65-F5344CB8AC3E}">
+        <p14:creationId xmlns:p14="http://schemas.microsoft.com/office/powerpoint/2010/main" val="1477841008"/>
+      </p:ext>
+    </p:extLst>
+  </p:cSld>
+  <p:clrMapOvr>
+    <a:masterClrMapping/>
+  </p:clrMapOvr>
+</p:sld>
+</file>
+
+<file path=ppt/slides/slide15.xml><?xml version="1.0" encoding="utf-8"?>
+<p:sld xmlns:a="http://schemas.openxmlformats.org/drawingml/2006/main" xmlns:r="http://schemas.openxmlformats.org/officeDocument/2006/relationships" xmlns:p="http://schemas.openxmlformats.org/presentationml/2006/main">
+  <p:cSld>
+    <p:spTree>
+      <p:nvGrpSpPr>
         <p:cNvPr id="1" name="Shape 571"/>
         <p:cNvGrpSpPr/>
         <p:nvPr/>
@@ -16895,7 +18862,7 @@
             </a:pPr>
             <a:fld id="{00000000-1234-1234-1234-123412341234}" type="slidenum">
               <a:rPr lang="en"/>
-              <a:t>13</a:t>
+              <a:t>15</a:t>
             </a:fld>
             <a:endParaRPr/>
           </a:p>
